--- a/docs/마이크로디그리 EXPO 포스터.pptx
+++ b/docs/마이크로디그리 EXPO 포스터.pptx
@@ -27675,230 +27675,114 @@
           </a:p>
         </p:txBody>
       </p:sp>
-      <p:grpSp>
-        <p:nvGrpSpPr>
-          <p:cNvPr id="7" name="그룹 6">
+      <p:pic>
+        <p:nvPicPr>
+          <p:cNvPr id="18" name="그림 17">
             <a:extLst>
               <a:ext uri="{FF2B5EF4-FFF2-40B4-BE49-F238E27FC236}">
-                <a16:creationId xmlns:a16="http://schemas.microsoft.com/office/drawing/2014/main" id="{93A308E9-ABFF-8C7C-BBD2-AA80250F8CDC}"/>
+                <a16:creationId xmlns:a16="http://schemas.microsoft.com/office/drawing/2014/main" id="{525F9631-A01C-4E74-AFBF-F2E9EB3B9F60}"/>
               </a:ext>
             </a:extLst>
           </p:cNvPr>
-          <p:cNvGrpSpPr/>
+          <p:cNvPicPr>
+            <a:picLocks noChangeAspect="1"/>
+          </p:cNvPicPr>
           <p:nvPr/>
-        </p:nvGrpSpPr>
-        <p:grpSpPr>
-          <a:xfrm>
-            <a:off x="11213717" y="18431892"/>
-            <a:ext cx="7948401" cy="10075720"/>
-            <a:chOff x="11213718" y="17789219"/>
-            <a:chExt cx="3679746" cy="4664597"/>
-          </a:xfrm>
-        </p:grpSpPr>
-        <p:pic>
-          <p:nvPicPr>
-            <p:cNvPr id="8" name="그림 45">
-              <a:extLst>
-                <a:ext uri="{FF2B5EF4-FFF2-40B4-BE49-F238E27FC236}">
-                  <a16:creationId xmlns:a16="http://schemas.microsoft.com/office/drawing/2014/main" id="{77F08E3C-A7B0-80A6-86F9-B9D77FFD1FF4}"/>
-                </a:ext>
-              </a:extLst>
-            </p:cNvPr>
-            <p:cNvPicPr>
-              <a:picLocks noChangeAspect="1" noChangeArrowheads="1"/>
-            </p:cNvPicPr>
-            <p:nvPr/>
-          </p:nvPicPr>
-          <p:blipFill>
-            <a:blip r:embed="rId2">
-              <a:extLst>
-                <a:ext uri="{96DAC541-7B7A-43D3-8B79-37D633B846F1}">
-                  <asvg:svgBlip xmlns:asvg="http://schemas.microsoft.com/office/drawing/2016/SVG/main" r:embed="rId3"/>
-                </a:ext>
-              </a:extLst>
-            </a:blip>
-            <a:srcRect t="20143" b="20143"/>
-            <a:stretch/>
-          </p:blipFill>
-          <p:spPr bwMode="auto">
-            <a:xfrm>
-              <a:off x="11213718" y="17789219"/>
-              <a:ext cx="3679746" cy="2197346"/>
-            </a:xfrm>
-            <a:prstGeom prst="roundRect">
-              <a:avLst>
-                <a:gd name="adj" fmla="val 5273"/>
-              </a:avLst>
-            </a:prstGeom>
-            <a:noFill/>
-            <a:ln>
-              <a:noFill/>
-            </a:ln>
+        </p:nvPicPr>
+        <p:blipFill>
+          <a:blip r:embed="rId2">
             <a:extLst>
-              <a:ext uri="{909E8E84-426E-40DD-AFC4-6F175D3DCCD1}">
-                <a14:hiddenFill xmlns:a14="http://schemas.microsoft.com/office/drawing/2010/main">
-                  <a:solidFill>
-                    <a:srgbClr val="FFFFFF"/>
-                  </a:solidFill>
-                </a14:hiddenFill>
-              </a:ext>
-              <a:ext uri="{91240B29-F687-4F45-9708-019B960494DF}">
-                <a14:hiddenLine xmlns:a14="http://schemas.microsoft.com/office/drawing/2010/main" w="9525">
-                  <a:solidFill>
-                    <a:srgbClr val="000000"/>
-                  </a:solidFill>
-                  <a:miter lim="800000"/>
-                  <a:headEnd/>
-                  <a:tailEnd/>
-                </a14:hiddenLine>
+              <a:ext uri="{28A0092B-C50C-407E-A947-70E740481C1C}">
+                <a14:useLocalDpi xmlns:a14="http://schemas.microsoft.com/office/drawing/2010/main" val="0"/>
               </a:ext>
             </a:extLst>
-          </p:spPr>
-        </p:pic>
-        <p:pic>
-          <p:nvPicPr>
-            <p:cNvPr id="11" name="그림 45">
-              <a:extLst>
-                <a:ext uri="{FF2B5EF4-FFF2-40B4-BE49-F238E27FC236}">
-                  <a16:creationId xmlns:a16="http://schemas.microsoft.com/office/drawing/2014/main" id="{5B2F1819-AB00-DB87-0D13-0F3FE55E700B}"/>
-                </a:ext>
-              </a:extLst>
-            </p:cNvPr>
-            <p:cNvPicPr>
-              <a:picLocks noChangeAspect="1" noChangeArrowheads="1"/>
-            </p:cNvPicPr>
-            <p:nvPr/>
-          </p:nvPicPr>
-          <p:blipFill>
-            <a:blip r:embed="rId2">
-              <a:extLst>
-                <a:ext uri="{96DAC541-7B7A-43D3-8B79-37D633B846F1}">
-                  <asvg:svgBlip xmlns:asvg="http://schemas.microsoft.com/office/drawing/2016/SVG/main" r:embed="rId3"/>
-                </a:ext>
-              </a:extLst>
-            </a:blip>
-            <a:srcRect t="20143" b="20143"/>
-            <a:stretch/>
-          </p:blipFill>
-          <p:spPr bwMode="auto">
-            <a:xfrm>
-              <a:off x="11213718" y="20256470"/>
-              <a:ext cx="3679746" cy="2197346"/>
-            </a:xfrm>
-            <a:prstGeom prst="roundRect">
-              <a:avLst>
-                <a:gd name="adj" fmla="val 5273"/>
-              </a:avLst>
-            </a:prstGeom>
-            <a:noFill/>
-            <a:ln>
-              <a:noFill/>
-            </a:ln>
-            <a:extLst>
-              <a:ext uri="{909E8E84-426E-40DD-AFC4-6F175D3DCCD1}">
-                <a14:hiddenFill xmlns:a14="http://schemas.microsoft.com/office/drawing/2010/main">
-                  <a:solidFill>
-                    <a:srgbClr val="FFFFFF"/>
-                  </a:solidFill>
-                </a14:hiddenFill>
-              </a:ext>
-              <a:ext uri="{91240B29-F687-4F45-9708-019B960494DF}">
-                <a14:hiddenLine xmlns:a14="http://schemas.microsoft.com/office/drawing/2010/main" w="9525">
-                  <a:solidFill>
-                    <a:srgbClr val="000000"/>
-                  </a:solidFill>
-                  <a:miter lim="800000"/>
-                  <a:headEnd/>
-                  <a:tailEnd/>
-                </a14:hiddenLine>
-              </a:ext>
-            </a:extLst>
-          </p:spPr>
-        </p:pic>
-      </p:grpSp>
-      <p:sp>
-        <p:nvSpPr>
-          <p:cNvPr id="12" name="TextBox 11">
-            <a:extLst>
-              <a:ext uri="{FF2B5EF4-FFF2-40B4-BE49-F238E27FC236}">
-                <a16:creationId xmlns:a16="http://schemas.microsoft.com/office/drawing/2014/main" id="{19DA722B-B350-A86C-96DE-81747D60D06D}"/>
-              </a:ext>
-            </a:extLst>
-          </p:cNvPr>
-          <p:cNvSpPr txBox="1"/>
-          <p:nvPr/>
-        </p:nvSpPr>
+          </a:blip>
+          <a:stretch>
+            <a:fillRect/>
+          </a:stretch>
+        </p:blipFill>
         <p:spPr>
           <a:xfrm>
-            <a:off x="11289918" y="17381524"/>
-            <a:ext cx="7625826" cy="688256"/>
+            <a:off x="11217490" y="17248352"/>
+            <a:ext cx="8390998" cy="6847149"/>
           </a:xfrm>
           <a:prstGeom prst="rect">
             <a:avLst/>
           </a:prstGeom>
-          <a:noFill/>
         </p:spPr>
-        <p:txBody>
-          <a:bodyPr wrap="square" lIns="72000" tIns="36000" rIns="72000" bIns="36000" rtlCol="0" anchor="t">
-            <a:spAutoFit/>
-          </a:bodyPr>
-          <a:lstStyle/>
-          <a:p>
-            <a:pPr marL="720000" lvl="0" indent="-720000" defTabSz="2159996" latinLnBrk="1">
-              <a:spcAft>
-                <a:spcPts val="1200"/>
-              </a:spcAft>
-              <a:buClr>
-                <a:schemeClr val="accent2"/>
-              </a:buClr>
-              <a:buFont typeface="프리젠테이션 4 Regular" pitchFamily="2" charset="-127"/>
-              <a:buChar char=""/>
-              <a:defRPr/>
-            </a:pPr>
-            <a:r>
-              <a:rPr lang="ko-KR" altLang="en-US" sz="4000" dirty="0">
-                <a:solidFill>
-                  <a:schemeClr val="tx1">
-                    <a:lumMod val="95000"/>
-                    <a:lumOff val="5000"/>
-                  </a:schemeClr>
-                </a:solidFill>
-              </a:rPr>
-              <a:t>글자 크기 </a:t>
-            </a:r>
-            <a:r>
-              <a:rPr lang="en-US" altLang="ko-KR" sz="4000" dirty="0">
-                <a:solidFill>
-                  <a:schemeClr val="tx1">
-                    <a:lumMod val="95000"/>
-                    <a:lumOff val="5000"/>
-                  </a:schemeClr>
-                </a:solidFill>
-              </a:rPr>
-              <a:t>40(+-5) </a:t>
-            </a:r>
-            <a:r>
-              <a:rPr lang="ko-KR" altLang="en-US" sz="4000" dirty="0">
-                <a:solidFill>
-                  <a:schemeClr val="tx1">
-                    <a:lumMod val="95000"/>
-                    <a:lumOff val="5000"/>
-                  </a:schemeClr>
-                </a:solidFill>
-              </a:rPr>
-              <a:t>권장</a:t>
-            </a:r>
-            <a:endParaRPr lang="en-US" altLang="ko-KR" sz="4000" dirty="0">
-              <a:solidFill>
-                <a:schemeClr val="tx1">
-                  <a:lumMod val="95000"/>
-                  <a:lumOff val="5000"/>
-                </a:schemeClr>
-              </a:solidFill>
-            </a:endParaRPr>
-          </a:p>
-        </p:txBody>
-      </p:sp>
+      </p:pic>
+      <p:pic>
+        <p:nvPicPr>
+          <p:cNvPr id="24" name="그림 23">
+            <a:extLst>
+              <a:ext uri="{FF2B5EF4-FFF2-40B4-BE49-F238E27FC236}">
+                <a16:creationId xmlns:a16="http://schemas.microsoft.com/office/drawing/2014/main" id="{E0FB01C0-5D3B-49A8-AA04-7DF65D7EF220}"/>
+              </a:ext>
+            </a:extLst>
+          </p:cNvPr>
+          <p:cNvPicPr>
+            <a:picLocks noChangeAspect="1"/>
+          </p:cNvPicPr>
+          <p:nvPr/>
+        </p:nvPicPr>
+        <p:blipFill>
+          <a:blip r:embed="rId3">
+            <a:extLst>
+              <a:ext uri="{28A0092B-C50C-407E-A947-70E740481C1C}">
+                <a14:useLocalDpi xmlns:a14="http://schemas.microsoft.com/office/drawing/2010/main" val="0"/>
+              </a:ext>
+            </a:extLst>
+          </a:blip>
+          <a:stretch>
+            <a:fillRect/>
+          </a:stretch>
+        </p:blipFill>
+        <p:spPr>
+          <a:xfrm>
+            <a:off x="11204937" y="24241420"/>
+            <a:ext cx="6493601" cy="5323242"/>
+          </a:xfrm>
+          <a:prstGeom prst="rect">
+            <a:avLst/>
+          </a:prstGeom>
+        </p:spPr>
+      </p:pic>
+      <p:pic>
+        <p:nvPicPr>
+          <p:cNvPr id="26" name="그림 25">
+            <a:extLst>
+              <a:ext uri="{FF2B5EF4-FFF2-40B4-BE49-F238E27FC236}">
+                <a16:creationId xmlns:a16="http://schemas.microsoft.com/office/drawing/2014/main" id="{FB6F74A8-DC55-418E-8F2B-0806170F5016}"/>
+              </a:ext>
+            </a:extLst>
+          </p:cNvPr>
+          <p:cNvPicPr>
+            <a:picLocks noChangeAspect="1"/>
+          </p:cNvPicPr>
+          <p:nvPr/>
+        </p:nvPicPr>
+        <p:blipFill>
+          <a:blip r:embed="rId4">
+            <a:extLst>
+              <a:ext uri="{28A0092B-C50C-407E-A947-70E740481C1C}">
+                <a14:useLocalDpi xmlns:a14="http://schemas.microsoft.com/office/drawing/2010/main" val="0"/>
+              </a:ext>
+            </a:extLst>
+          </a:blip>
+          <a:stretch>
+            <a:fillRect/>
+          </a:stretch>
+        </p:blipFill>
+        <p:spPr>
+          <a:xfrm>
+            <a:off x="18473872" y="29233092"/>
+            <a:ext cx="2740101" cy="2740101"/>
+          </a:xfrm>
+          <a:prstGeom prst="rect">
+            <a:avLst/>
+          </a:prstGeom>
+        </p:spPr>
+      </p:pic>
     </p:spTree>
     <p:extLst>
       <p:ext uri="{BB962C8B-B14F-4D97-AF65-F5344CB8AC3E}">
